--- a/Documentation/2023_10_26_SBD_Präsentation_final.pptx
+++ b/Documentation/2023_10_26_SBD_Präsentation_final.pptx
@@ -19,6 +19,7 @@
     <p:sldId id="267" r:id="rId13"/>
     <p:sldId id="268" r:id="rId14"/>
     <p:sldId id="269" r:id="rId15"/>
+    <p:sldId id="273" r:id="rId16"/>
   </p:sldIdLst>
   <p:sldSz cx="12192000" cy="6858000"/>
   <p:notesSz cx="6858000" cy="9144000"/>
@@ -16331,16 +16332,26 @@
                         </a:spcAft>
                       </a:pPr>
                       <a:r>
-                        <a:rPr lang="de-DE" sz="1100" b="0" i="0" u="none" strike="noStrike">
+                        <a:rPr lang="de-DE" sz="1100" b="0" i="0" u="none" strike="noStrike" dirty="0">
                           <a:solidFill>
                             <a:srgbClr val="000000"/>
                           </a:solidFill>
                           <a:effectLst/>
                           <a:latin typeface="Arial" panose="020B0604020202020204" pitchFamily="34" charset="0"/>
                         </a:rPr>
-                        <a:t>A01 - Zugangsdaten Kunde – SQL Injections</a:t>
+                        <a:t>A01 - Zugangsdaten Kunde – SQL </a:t>
                       </a:r>
-                      <a:endParaRPr lang="de-DE">
+                      <a:r>
+                        <a:rPr lang="de-DE" sz="1100" b="0" i="0" u="none" strike="noStrike" dirty="0" err="1">
+                          <a:solidFill>
+                            <a:srgbClr val="000000"/>
+                          </a:solidFill>
+                          <a:effectLst/>
+                          <a:latin typeface="Arial" panose="020B0604020202020204" pitchFamily="34" charset="0"/>
+                        </a:rPr>
+                        <a:t>Injections</a:t>
+                      </a:r>
+                      <a:endParaRPr lang="de-DE" dirty="0">
                         <a:effectLst/>
                       </a:endParaRPr>
                     </a:p>
@@ -17807,6 +17818,99 @@
     <p:extLst>
       <p:ext uri="{BB962C8B-B14F-4D97-AF65-F5344CB8AC3E}">
         <p14:creationId xmlns:p14="http://schemas.microsoft.com/office/powerpoint/2010/main" val="4124702928"/>
+      </p:ext>
+    </p:extLst>
+  </p:cSld>
+  <p:clrMapOvr>
+    <a:masterClrMapping/>
+  </p:clrMapOvr>
+</p:sld>
+</file>
+
+<file path=ppt/slides/slide15.xml><?xml version="1.0" encoding="utf-8"?>
+<p:sld xmlns:a="http://schemas.openxmlformats.org/drawingml/2006/main" xmlns:r="http://schemas.openxmlformats.org/officeDocument/2006/relationships" xmlns:p="http://schemas.openxmlformats.org/presentationml/2006/main">
+  <p:cSld>
+    <p:spTree>
+      <p:nvGrpSpPr>
+        <p:cNvPr id="1" name=""/>
+        <p:cNvGrpSpPr/>
+        <p:nvPr/>
+      </p:nvGrpSpPr>
+      <p:grpSpPr>
+        <a:xfrm>
+          <a:off x="0" y="0"/>
+          <a:ext cx="0" cy="0"/>
+          <a:chOff x="0" y="0"/>
+          <a:chExt cx="0" cy="0"/>
+        </a:xfrm>
+      </p:grpSpPr>
+      <p:sp>
+        <p:nvSpPr>
+          <p:cNvPr id="4" name="Inhaltsplatzhalter 2">
+            <a:extLst>
+              <a:ext uri="{FF2B5EF4-FFF2-40B4-BE49-F238E27FC236}">
+                <a16:creationId xmlns:a16="http://schemas.microsoft.com/office/drawing/2014/main" id="{7ADC36AB-DD36-9825-8158-9FEEC98F9322}"/>
+              </a:ext>
+            </a:extLst>
+          </p:cNvPr>
+          <p:cNvSpPr>
+            <a:spLocks noGrp="1"/>
+          </p:cNvSpPr>
+          <p:nvPr>
+            <p:ph idx="1"/>
+          </p:nvPr>
+        </p:nvSpPr>
+        <p:spPr>
+          <a:xfrm>
+            <a:off x="0" y="2619703"/>
+            <a:ext cx="12192000" cy="1618593"/>
+          </a:xfrm>
+        </p:spPr>
+        <p:txBody>
+          <a:bodyPr>
+            <a:normAutofit/>
+          </a:bodyPr>
+          <a:lstStyle/>
+          <a:p>
+            <a:pPr marL="0" indent="0" algn="ctr">
+              <a:lnSpc>
+                <a:spcPct val="90000"/>
+              </a:lnSpc>
+              <a:spcBef>
+                <a:spcPct val="0"/>
+              </a:spcBef>
+              <a:buNone/>
+            </a:pPr>
+            <a:r>
+              <a:rPr lang="de-DE" sz="4800" cap="all" dirty="0">
+                <a:latin typeface="+mj-lt"/>
+                <a:ea typeface="+mj-ea"/>
+                <a:cs typeface="+mj-cs"/>
+              </a:rPr>
+              <a:t>Danke für Ihre</a:t>
+            </a:r>
+            <a:br>
+              <a:rPr lang="de-DE" sz="4800" cap="all" dirty="0">
+                <a:latin typeface="+mj-lt"/>
+                <a:ea typeface="+mj-ea"/>
+                <a:cs typeface="+mj-cs"/>
+              </a:rPr>
+            </a:br>
+            <a:r>
+              <a:rPr lang="de-DE" sz="4800" cap="all" dirty="0">
+                <a:latin typeface="+mj-lt"/>
+                <a:ea typeface="+mj-ea"/>
+                <a:cs typeface="+mj-cs"/>
+              </a:rPr>
+              <a:t>Aufmerksamkeit!</a:t>
+            </a:r>
+          </a:p>
+        </p:txBody>
+      </p:sp>
+    </p:spTree>
+    <p:extLst>
+      <p:ext uri="{BB962C8B-B14F-4D97-AF65-F5344CB8AC3E}">
+        <p14:creationId xmlns:p14="http://schemas.microsoft.com/office/powerpoint/2010/main" val="773938386"/>
       </p:ext>
     </p:extLst>
   </p:cSld>
